--- a/pdf/NN Model.pptx
+++ b/pdf/NN Model.pptx
@@ -104,6 +104,11 @@
       </a:defRPr>
     </a:lvl9pPr>
   </p:defaultTextStyle>
+  <p:extLst>
+    <p:ext uri="{EFAFB233-063F-42B5-8137-9DF3F51BA10A}">
+      <p15:sldGuideLst xmlns:p15="http://schemas.microsoft.com/office/powerpoint/2012/main"/>
+    </p:ext>
+  </p:extLst>
 </p:presentation>
 </file>
 
@@ -4918,8 +4923,8 @@
         </p:nvSpPr>
         <p:spPr>
           <a:xfrm>
-            <a:off x="6524120" y="959386"/>
-            <a:ext cx="813939" cy="369332"/>
+            <a:off x="5972262" y="793663"/>
+            <a:ext cx="1917656" cy="584775"/>
           </a:xfrm>
           <a:prstGeom prst="rect">
             <a:avLst/>
@@ -4934,8 +4939,8 @@
           <a:p>
             <a:pPr algn="ctr"/>
             <a:r>
-              <a:rPr lang="en-US" dirty="0"/>
-              <a:t>LABEL</a:t>
+              <a:rPr lang="en-US" sz="1600" dirty="0"/>
+              <a:t>Probability of positive sentiment</a:t>
             </a:r>
           </a:p>
         </p:txBody>
@@ -5004,8 +5009,8 @@
         </p:nvCxnSpPr>
         <p:spPr>
           <a:xfrm flipH="1" flipV="1">
-            <a:off x="6931090" y="1328718"/>
-            <a:ext cx="1" cy="388598"/>
+            <a:off x="6931090" y="1378438"/>
+            <a:ext cx="1" cy="338878"/>
           </a:xfrm>
           <a:prstGeom prst="straightConnector1">
             <a:avLst/>
